--- a/401_OperatingSystems/assignments/WINDOWS 11.pptx
+++ b/401_OperatingSystems/assignments/WINDOWS 11.pptx
@@ -16,6 +16,12 @@
     <p:sldId id="264" r:id="rId10"/>
     <p:sldId id="265" r:id="rId11"/>
     <p:sldId id="266" r:id="rId12"/>
+    <p:sldId id="267" r:id="rId13"/>
+    <p:sldId id="268" r:id="rId14"/>
+    <p:sldId id="271" r:id="rId15"/>
+    <p:sldId id="270" r:id="rId16"/>
+    <p:sldId id="272" r:id="rId17"/>
+    <p:sldId id="273" r:id="rId18"/>
   </p:sldIdLst>
   <p:sldSz cx="12192000" cy="6858000"/>
   <p:notesSz cx="6858000" cy="9144000"/>
@@ -114,6 +120,11 @@
       </a:defRPr>
     </a:lvl9pPr>
   </p:defaultTextStyle>
+  <p:extLst>
+    <p:ext uri="{EFAFB233-063F-42B5-8137-9DF3F51BA10A}">
+      <p15:sldGuideLst xmlns:p15="http://schemas.microsoft.com/office/powerpoint/2012/main"/>
+    </p:ext>
+  </p:extLst>
 </p:presentation>
 </file>
 
@@ -264,7 +275,7 @@
           <a:p>
             <a:fld id="{0373278B-BA76-4770-B160-1A1DCC83836D}" type="datetimeFigureOut">
               <a:rPr lang="en-GB" smtClean="0"/>
-              <a:t>16/07/2025</a:t>
+              <a:t>21/07/2025</a:t>
             </a:fld>
             <a:endParaRPr lang="en-GB"/>
           </a:p>
@@ -462,7 +473,7 @@
           <a:p>
             <a:fld id="{0373278B-BA76-4770-B160-1A1DCC83836D}" type="datetimeFigureOut">
               <a:rPr lang="en-GB" smtClean="0"/>
-              <a:t>16/07/2025</a:t>
+              <a:t>21/07/2025</a:t>
             </a:fld>
             <a:endParaRPr lang="en-GB"/>
           </a:p>
@@ -670,7 +681,7 @@
           <a:p>
             <a:fld id="{0373278B-BA76-4770-B160-1A1DCC83836D}" type="datetimeFigureOut">
               <a:rPr lang="en-GB" smtClean="0"/>
-              <a:t>16/07/2025</a:t>
+              <a:t>21/07/2025</a:t>
             </a:fld>
             <a:endParaRPr lang="en-GB"/>
           </a:p>
@@ -868,7 +879,7 @@
           <a:p>
             <a:fld id="{0373278B-BA76-4770-B160-1A1DCC83836D}" type="datetimeFigureOut">
               <a:rPr lang="en-GB" smtClean="0"/>
-              <a:t>16/07/2025</a:t>
+              <a:t>21/07/2025</a:t>
             </a:fld>
             <a:endParaRPr lang="en-GB"/>
           </a:p>
@@ -1143,7 +1154,7 @@
           <a:p>
             <a:fld id="{0373278B-BA76-4770-B160-1A1DCC83836D}" type="datetimeFigureOut">
               <a:rPr lang="en-GB" smtClean="0"/>
-              <a:t>16/07/2025</a:t>
+              <a:t>21/07/2025</a:t>
             </a:fld>
             <a:endParaRPr lang="en-GB"/>
           </a:p>
@@ -1408,7 +1419,7 @@
           <a:p>
             <a:fld id="{0373278B-BA76-4770-B160-1A1DCC83836D}" type="datetimeFigureOut">
               <a:rPr lang="en-GB" smtClean="0"/>
-              <a:t>16/07/2025</a:t>
+              <a:t>21/07/2025</a:t>
             </a:fld>
             <a:endParaRPr lang="en-GB"/>
           </a:p>
@@ -1820,7 +1831,7 @@
           <a:p>
             <a:fld id="{0373278B-BA76-4770-B160-1A1DCC83836D}" type="datetimeFigureOut">
               <a:rPr lang="en-GB" smtClean="0"/>
-              <a:t>16/07/2025</a:t>
+              <a:t>21/07/2025</a:t>
             </a:fld>
             <a:endParaRPr lang="en-GB"/>
           </a:p>
@@ -1961,7 +1972,7 @@
           <a:p>
             <a:fld id="{0373278B-BA76-4770-B160-1A1DCC83836D}" type="datetimeFigureOut">
               <a:rPr lang="en-GB" smtClean="0"/>
-              <a:t>16/07/2025</a:t>
+              <a:t>21/07/2025</a:t>
             </a:fld>
             <a:endParaRPr lang="en-GB"/>
           </a:p>
@@ -2074,7 +2085,7 @@
           <a:p>
             <a:fld id="{0373278B-BA76-4770-B160-1A1DCC83836D}" type="datetimeFigureOut">
               <a:rPr lang="en-GB" smtClean="0"/>
-              <a:t>16/07/2025</a:t>
+              <a:t>21/07/2025</a:t>
             </a:fld>
             <a:endParaRPr lang="en-GB"/>
           </a:p>
@@ -2385,7 +2396,7 @@
           <a:p>
             <a:fld id="{0373278B-BA76-4770-B160-1A1DCC83836D}" type="datetimeFigureOut">
               <a:rPr lang="en-GB" smtClean="0"/>
-              <a:t>16/07/2025</a:t>
+              <a:t>21/07/2025</a:t>
             </a:fld>
             <a:endParaRPr lang="en-GB"/>
           </a:p>
@@ -2673,7 +2684,7 @@
           <a:p>
             <a:fld id="{0373278B-BA76-4770-B160-1A1DCC83836D}" type="datetimeFigureOut">
               <a:rPr lang="en-GB" smtClean="0"/>
-              <a:t>16/07/2025</a:t>
+              <a:t>21/07/2025</a:t>
             </a:fld>
             <a:endParaRPr lang="en-GB"/>
           </a:p>
@@ -2914,7 +2925,7 @@
           <a:p>
             <a:fld id="{0373278B-BA76-4770-B160-1A1DCC83836D}" type="datetimeFigureOut">
               <a:rPr lang="en-GB" smtClean="0"/>
-              <a:t>16/07/2025</a:t>
+              <a:t>21/07/2025</a:t>
             </a:fld>
             <a:endParaRPr lang="en-GB"/>
           </a:p>
@@ -3565,7 +3576,10 @@
           <a:bodyPr/>
           <a:lstStyle/>
           <a:p>
-            <a:endParaRPr lang="en-GB"/>
+            <a:r>
+              <a:rPr lang="en-GB" dirty="0"/>
+              <a:t>GUI account creation</a:t>
+            </a:r>
           </a:p>
         </p:txBody>
       </p:sp>
@@ -3599,10 +3613,706 @@
           </a:p>
         </p:txBody>
       </p:sp>
+      <p:pic>
+        <p:nvPicPr>
+          <p:cNvPr id="5" name="Picture 4">
+            <a:extLst>
+              <a:ext uri="{FF2B5EF4-FFF2-40B4-BE49-F238E27FC236}">
+                <a16:creationId xmlns:a16="http://schemas.microsoft.com/office/drawing/2014/main" id="{5C442F01-8FF6-EA6C-70BD-F7CD10D9E530}"/>
+              </a:ext>
+            </a:extLst>
+          </p:cNvPr>
+          <p:cNvPicPr>
+            <a:picLocks noChangeAspect="1"/>
+          </p:cNvPicPr>
+          <p:nvPr/>
+        </p:nvPicPr>
+        <p:blipFill>
+          <a:blip r:embed="rId2"/>
+          <a:stretch>
+            <a:fillRect/>
+          </a:stretch>
+        </p:blipFill>
+        <p:spPr>
+          <a:xfrm>
+            <a:off x="612138" y="1386394"/>
+            <a:ext cx="6014726" cy="4959927"/>
+          </a:xfrm>
+          <a:prstGeom prst="rect">
+            <a:avLst/>
+          </a:prstGeom>
+        </p:spPr>
+      </p:pic>
     </p:spTree>
     <p:extLst>
       <p:ext uri="{BB962C8B-B14F-4D97-AF65-F5344CB8AC3E}">
         <p14:creationId xmlns:p14="http://schemas.microsoft.com/office/powerpoint/2010/main" val="1549676588"/>
+      </p:ext>
+    </p:extLst>
+  </p:cSld>
+  <p:clrMapOvr>
+    <a:masterClrMapping/>
+  </p:clrMapOvr>
+</p:sld>
+</file>
+
+<file path=ppt/slides/slide12.xml><?xml version="1.0" encoding="utf-8"?>
+<p:sld xmlns:a="http://schemas.openxmlformats.org/drawingml/2006/main" xmlns:r="http://schemas.openxmlformats.org/officeDocument/2006/relationships" xmlns:p="http://schemas.openxmlformats.org/presentationml/2006/main">
+  <p:cSld>
+    <p:spTree>
+      <p:nvGrpSpPr>
+        <p:cNvPr id="1" name="">
+          <a:extLst>
+            <a:ext uri="{FF2B5EF4-FFF2-40B4-BE49-F238E27FC236}">
+              <a16:creationId xmlns:a16="http://schemas.microsoft.com/office/drawing/2014/main" id="{C38D58AA-65A5-0C75-46AC-A2D31399BCC8}"/>
+            </a:ext>
+          </a:extLst>
+        </p:cNvPr>
+        <p:cNvGrpSpPr/>
+        <p:nvPr/>
+      </p:nvGrpSpPr>
+      <p:grpSpPr>
+        <a:xfrm>
+          <a:off x="0" y="0"/>
+          <a:ext cx="0" cy="0"/>
+          <a:chOff x="0" y="0"/>
+          <a:chExt cx="0" cy="0"/>
+        </a:xfrm>
+      </p:grpSpPr>
+      <p:sp>
+        <p:nvSpPr>
+          <p:cNvPr id="2" name="Title 1">
+            <a:extLst>
+              <a:ext uri="{FF2B5EF4-FFF2-40B4-BE49-F238E27FC236}">
+                <a16:creationId xmlns:a16="http://schemas.microsoft.com/office/drawing/2014/main" id="{41C699CF-93E5-B62E-D229-E1D381947059}"/>
+              </a:ext>
+            </a:extLst>
+          </p:cNvPr>
+          <p:cNvSpPr>
+            <a:spLocks noGrp="1"/>
+          </p:cNvSpPr>
+          <p:nvPr>
+            <p:ph type="title"/>
+          </p:nvPr>
+        </p:nvSpPr>
+        <p:spPr/>
+        <p:txBody>
+          <a:bodyPr/>
+          <a:lstStyle/>
+          <a:p>
+            <a:endParaRPr lang="en-GB"/>
+          </a:p>
+        </p:txBody>
+      </p:sp>
+      <p:sp>
+        <p:nvSpPr>
+          <p:cNvPr id="3" name="Content Placeholder 2">
+            <a:extLst>
+              <a:ext uri="{FF2B5EF4-FFF2-40B4-BE49-F238E27FC236}">
+                <a16:creationId xmlns:a16="http://schemas.microsoft.com/office/drawing/2014/main" id="{81B1E1E8-BDA6-A93F-12DF-592C4314EE55}"/>
+              </a:ext>
+            </a:extLst>
+          </p:cNvPr>
+          <p:cNvSpPr>
+            <a:spLocks noGrp="1"/>
+          </p:cNvSpPr>
+          <p:nvPr>
+            <p:ph idx="1"/>
+          </p:nvPr>
+        </p:nvSpPr>
+        <p:spPr>
+          <a:xfrm>
+            <a:off x="8572500" y="365125"/>
+            <a:ext cx="3053196" cy="5676901"/>
+          </a:xfrm>
+        </p:spPr>
+        <p:txBody>
+          <a:bodyPr/>
+          <a:lstStyle/>
+          <a:p>
+            <a:endParaRPr lang="en-GB"/>
+          </a:p>
+        </p:txBody>
+      </p:sp>
+      <p:pic>
+        <p:nvPicPr>
+          <p:cNvPr id="5" name="Picture 4">
+            <a:extLst>
+              <a:ext uri="{FF2B5EF4-FFF2-40B4-BE49-F238E27FC236}">
+                <a16:creationId xmlns:a16="http://schemas.microsoft.com/office/drawing/2014/main" id="{415377AE-6522-08BF-EFDA-0132D76C2FEA}"/>
+              </a:ext>
+            </a:extLst>
+          </p:cNvPr>
+          <p:cNvPicPr>
+            <a:picLocks noChangeAspect="1"/>
+          </p:cNvPicPr>
+          <p:nvPr/>
+        </p:nvPicPr>
+        <p:blipFill>
+          <a:blip r:embed="rId2"/>
+          <a:stretch>
+            <a:fillRect/>
+          </a:stretch>
+        </p:blipFill>
+        <p:spPr>
+          <a:xfrm>
+            <a:off x="1156973" y="590549"/>
+            <a:ext cx="6888517" cy="5676901"/>
+          </a:xfrm>
+          <a:prstGeom prst="rect">
+            <a:avLst/>
+          </a:prstGeom>
+        </p:spPr>
+      </p:pic>
+    </p:spTree>
+    <p:extLst>
+      <p:ext uri="{BB962C8B-B14F-4D97-AF65-F5344CB8AC3E}">
+        <p14:creationId xmlns:p14="http://schemas.microsoft.com/office/powerpoint/2010/main" val="2605301671"/>
+      </p:ext>
+    </p:extLst>
+  </p:cSld>
+  <p:clrMapOvr>
+    <a:masterClrMapping/>
+  </p:clrMapOvr>
+</p:sld>
+</file>
+
+<file path=ppt/slides/slide13.xml><?xml version="1.0" encoding="utf-8"?>
+<p:sld xmlns:a="http://schemas.openxmlformats.org/drawingml/2006/main" xmlns:r="http://schemas.openxmlformats.org/officeDocument/2006/relationships" xmlns:p="http://schemas.openxmlformats.org/presentationml/2006/main">
+  <p:cSld>
+    <p:spTree>
+      <p:nvGrpSpPr>
+        <p:cNvPr id="1" name="">
+          <a:extLst>
+            <a:ext uri="{FF2B5EF4-FFF2-40B4-BE49-F238E27FC236}">
+              <a16:creationId xmlns:a16="http://schemas.microsoft.com/office/drawing/2014/main" id="{26EC600B-DAF7-EC23-FFB6-BBC1D6A92EC7}"/>
+            </a:ext>
+          </a:extLst>
+        </p:cNvPr>
+        <p:cNvGrpSpPr/>
+        <p:nvPr/>
+      </p:nvGrpSpPr>
+      <p:grpSpPr>
+        <a:xfrm>
+          <a:off x="0" y="0"/>
+          <a:ext cx="0" cy="0"/>
+          <a:chOff x="0" y="0"/>
+          <a:chExt cx="0" cy="0"/>
+        </a:xfrm>
+      </p:grpSpPr>
+      <p:sp>
+        <p:nvSpPr>
+          <p:cNvPr id="2" name="Title 1">
+            <a:extLst>
+              <a:ext uri="{FF2B5EF4-FFF2-40B4-BE49-F238E27FC236}">
+                <a16:creationId xmlns:a16="http://schemas.microsoft.com/office/drawing/2014/main" id="{503A099B-C6CC-44BE-3081-0A04FE0137B0}"/>
+              </a:ext>
+            </a:extLst>
+          </p:cNvPr>
+          <p:cNvSpPr>
+            <a:spLocks noGrp="1"/>
+          </p:cNvSpPr>
+          <p:nvPr>
+            <p:ph type="title"/>
+          </p:nvPr>
+        </p:nvSpPr>
+        <p:spPr/>
+        <p:txBody>
+          <a:bodyPr/>
+          <a:lstStyle/>
+          <a:p>
+            <a:endParaRPr lang="en-GB"/>
+          </a:p>
+        </p:txBody>
+      </p:sp>
+      <p:sp>
+        <p:nvSpPr>
+          <p:cNvPr id="3" name="Content Placeholder 2">
+            <a:extLst>
+              <a:ext uri="{FF2B5EF4-FFF2-40B4-BE49-F238E27FC236}">
+                <a16:creationId xmlns:a16="http://schemas.microsoft.com/office/drawing/2014/main" id="{A60ABE31-4D7E-9A9C-8405-4BF322B94F57}"/>
+              </a:ext>
+            </a:extLst>
+          </p:cNvPr>
+          <p:cNvSpPr>
+            <a:spLocks noGrp="1"/>
+          </p:cNvSpPr>
+          <p:nvPr>
+            <p:ph idx="1"/>
+          </p:nvPr>
+        </p:nvSpPr>
+        <p:spPr>
+          <a:xfrm>
+            <a:off x="8572500" y="365125"/>
+            <a:ext cx="3053196" cy="5676901"/>
+          </a:xfrm>
+        </p:spPr>
+        <p:txBody>
+          <a:bodyPr/>
+          <a:lstStyle/>
+          <a:p>
+            <a:endParaRPr lang="en-GB"/>
+          </a:p>
+        </p:txBody>
+      </p:sp>
+      <p:pic>
+        <p:nvPicPr>
+          <p:cNvPr id="7" name="Picture 6">
+            <a:extLst>
+              <a:ext uri="{FF2B5EF4-FFF2-40B4-BE49-F238E27FC236}">
+                <a16:creationId xmlns:a16="http://schemas.microsoft.com/office/drawing/2014/main" id="{FF4B5EB9-1986-BA90-08DE-097E95DAE5D1}"/>
+              </a:ext>
+            </a:extLst>
+          </p:cNvPr>
+          <p:cNvPicPr>
+            <a:picLocks noChangeAspect="1"/>
+          </p:cNvPicPr>
+          <p:nvPr/>
+        </p:nvPicPr>
+        <p:blipFill>
+          <a:blip r:embed="rId2"/>
+          <a:stretch>
+            <a:fillRect/>
+          </a:stretch>
+        </p:blipFill>
+        <p:spPr>
+          <a:xfrm>
+            <a:off x="5310726" y="743214"/>
+            <a:ext cx="6523547" cy="5371571"/>
+          </a:xfrm>
+          <a:prstGeom prst="rect">
+            <a:avLst/>
+          </a:prstGeom>
+        </p:spPr>
+      </p:pic>
+      <p:pic>
+        <p:nvPicPr>
+          <p:cNvPr id="9" name="Picture 8">
+            <a:extLst>
+              <a:ext uri="{FF2B5EF4-FFF2-40B4-BE49-F238E27FC236}">
+                <a16:creationId xmlns:a16="http://schemas.microsoft.com/office/drawing/2014/main" id="{1C2B4139-F38C-BE74-CD8F-996ADD4B0EC8}"/>
+              </a:ext>
+            </a:extLst>
+          </p:cNvPr>
+          <p:cNvPicPr>
+            <a:picLocks noChangeAspect="1"/>
+          </p:cNvPicPr>
+          <p:nvPr/>
+        </p:nvPicPr>
+        <p:blipFill>
+          <a:blip r:embed="rId3"/>
+          <a:stretch>
+            <a:fillRect/>
+          </a:stretch>
+        </p:blipFill>
+        <p:spPr>
+          <a:xfrm>
+            <a:off x="357727" y="450849"/>
+            <a:ext cx="6929764" cy="5682816"/>
+          </a:xfrm>
+          <a:prstGeom prst="rect">
+            <a:avLst/>
+          </a:prstGeom>
+        </p:spPr>
+      </p:pic>
+    </p:spTree>
+    <p:extLst>
+      <p:ext uri="{BB962C8B-B14F-4D97-AF65-F5344CB8AC3E}">
+        <p14:creationId xmlns:p14="http://schemas.microsoft.com/office/powerpoint/2010/main" val="3748718649"/>
+      </p:ext>
+    </p:extLst>
+  </p:cSld>
+  <p:clrMapOvr>
+    <a:masterClrMapping/>
+  </p:clrMapOvr>
+</p:sld>
+</file>
+
+<file path=ppt/slides/slide14.xml><?xml version="1.0" encoding="utf-8"?>
+<p:sld xmlns:a="http://schemas.openxmlformats.org/drawingml/2006/main" xmlns:r="http://schemas.openxmlformats.org/officeDocument/2006/relationships" xmlns:p="http://schemas.openxmlformats.org/presentationml/2006/main">
+  <p:cSld>
+    <p:spTree>
+      <p:nvGrpSpPr>
+        <p:cNvPr id="1" name=""/>
+        <p:cNvGrpSpPr/>
+        <p:nvPr/>
+      </p:nvGrpSpPr>
+      <p:grpSpPr>
+        <a:xfrm>
+          <a:off x="0" y="0"/>
+          <a:ext cx="0" cy="0"/>
+          <a:chOff x="0" y="0"/>
+          <a:chExt cx="0" cy="0"/>
+        </a:xfrm>
+      </p:grpSpPr>
+      <p:sp>
+        <p:nvSpPr>
+          <p:cNvPr id="2" name="Title 1">
+            <a:extLst>
+              <a:ext uri="{FF2B5EF4-FFF2-40B4-BE49-F238E27FC236}">
+                <a16:creationId xmlns:a16="http://schemas.microsoft.com/office/drawing/2014/main" id="{DDD13A72-EADD-0D3F-DD65-A99B2F2DE2E5}"/>
+              </a:ext>
+            </a:extLst>
+          </p:cNvPr>
+          <p:cNvSpPr>
+            <a:spLocks noGrp="1"/>
+          </p:cNvSpPr>
+          <p:nvPr>
+            <p:ph type="title"/>
+          </p:nvPr>
+        </p:nvSpPr>
+        <p:spPr/>
+        <p:txBody>
+          <a:bodyPr/>
+          <a:lstStyle/>
+          <a:p>
+            <a:endParaRPr lang="en-GB"/>
+          </a:p>
+        </p:txBody>
+      </p:sp>
+      <p:sp>
+        <p:nvSpPr>
+          <p:cNvPr id="3" name="Content Placeholder 2">
+            <a:extLst>
+              <a:ext uri="{FF2B5EF4-FFF2-40B4-BE49-F238E27FC236}">
+                <a16:creationId xmlns:a16="http://schemas.microsoft.com/office/drawing/2014/main" id="{CEDBC5F2-61A8-4A4A-C342-FD9BC9326411}"/>
+              </a:ext>
+            </a:extLst>
+          </p:cNvPr>
+          <p:cNvSpPr>
+            <a:spLocks noGrp="1"/>
+          </p:cNvSpPr>
+          <p:nvPr>
+            <p:ph idx="1"/>
+          </p:nvPr>
+        </p:nvSpPr>
+        <p:spPr/>
+        <p:txBody>
+          <a:bodyPr/>
+          <a:lstStyle/>
+          <a:p>
+            <a:endParaRPr lang="en-GB"/>
+          </a:p>
+        </p:txBody>
+      </p:sp>
+      <p:pic>
+        <p:nvPicPr>
+          <p:cNvPr id="5" name="Picture 4">
+            <a:extLst>
+              <a:ext uri="{FF2B5EF4-FFF2-40B4-BE49-F238E27FC236}">
+                <a16:creationId xmlns:a16="http://schemas.microsoft.com/office/drawing/2014/main" id="{8D5CD240-C918-6582-F45F-2A7252D32AA3}"/>
+              </a:ext>
+            </a:extLst>
+          </p:cNvPr>
+          <p:cNvPicPr>
+            <a:picLocks noChangeAspect="1"/>
+          </p:cNvPicPr>
+          <p:nvPr/>
+        </p:nvPicPr>
+        <p:blipFill>
+          <a:blip r:embed="rId2"/>
+          <a:stretch>
+            <a:fillRect/>
+          </a:stretch>
+        </p:blipFill>
+        <p:spPr>
+          <a:xfrm>
+            <a:off x="838200" y="254425"/>
+            <a:ext cx="7199253" cy="5922538"/>
+          </a:xfrm>
+          <a:prstGeom prst="rect">
+            <a:avLst/>
+          </a:prstGeom>
+        </p:spPr>
+      </p:pic>
+    </p:spTree>
+    <p:extLst>
+      <p:ext uri="{BB962C8B-B14F-4D97-AF65-F5344CB8AC3E}">
+        <p14:creationId xmlns:p14="http://schemas.microsoft.com/office/powerpoint/2010/main" val="2068716294"/>
+      </p:ext>
+    </p:extLst>
+  </p:cSld>
+  <p:clrMapOvr>
+    <a:masterClrMapping/>
+  </p:clrMapOvr>
+</p:sld>
+</file>
+
+<file path=ppt/slides/slide15.xml><?xml version="1.0" encoding="utf-8"?>
+<p:sld xmlns:a="http://schemas.openxmlformats.org/drawingml/2006/main" xmlns:r="http://schemas.openxmlformats.org/officeDocument/2006/relationships" xmlns:p="http://schemas.openxmlformats.org/presentationml/2006/main">
+  <p:cSld>
+    <p:spTree>
+      <p:nvGrpSpPr>
+        <p:cNvPr id="1" name=""/>
+        <p:cNvGrpSpPr/>
+        <p:nvPr/>
+      </p:nvGrpSpPr>
+      <p:grpSpPr>
+        <a:xfrm>
+          <a:off x="0" y="0"/>
+          <a:ext cx="0" cy="0"/>
+          <a:chOff x="0" y="0"/>
+          <a:chExt cx="0" cy="0"/>
+        </a:xfrm>
+      </p:grpSpPr>
+      <p:sp>
+        <p:nvSpPr>
+          <p:cNvPr id="2" name="Title 1">
+            <a:extLst>
+              <a:ext uri="{FF2B5EF4-FFF2-40B4-BE49-F238E27FC236}">
+                <a16:creationId xmlns:a16="http://schemas.microsoft.com/office/drawing/2014/main" id="{06634E93-F3A4-3A7D-E6B7-A49C2DAE6AE5}"/>
+              </a:ext>
+            </a:extLst>
+          </p:cNvPr>
+          <p:cNvSpPr>
+            <a:spLocks noGrp="1"/>
+          </p:cNvSpPr>
+          <p:nvPr>
+            <p:ph type="title"/>
+          </p:nvPr>
+        </p:nvSpPr>
+        <p:spPr/>
+        <p:txBody>
+          <a:bodyPr/>
+          <a:lstStyle/>
+          <a:p>
+            <a:endParaRPr lang="en-GB"/>
+          </a:p>
+        </p:txBody>
+      </p:sp>
+      <p:pic>
+        <p:nvPicPr>
+          <p:cNvPr id="5" name="Content Placeholder 4">
+            <a:extLst>
+              <a:ext uri="{FF2B5EF4-FFF2-40B4-BE49-F238E27FC236}">
+                <a16:creationId xmlns:a16="http://schemas.microsoft.com/office/drawing/2014/main" id="{416576C6-DB97-3112-7866-C07C113B6BAA}"/>
+              </a:ext>
+            </a:extLst>
+          </p:cNvPr>
+          <p:cNvPicPr>
+            <a:picLocks noGrp="1" noChangeAspect="1"/>
+          </p:cNvPicPr>
+          <p:nvPr>
+            <p:ph idx="1"/>
+          </p:nvPr>
+        </p:nvPicPr>
+        <p:blipFill>
+          <a:blip r:embed="rId2"/>
+          <a:stretch>
+            <a:fillRect/>
+          </a:stretch>
+        </p:blipFill>
+        <p:spPr>
+          <a:xfrm>
+            <a:off x="1150907" y="462540"/>
+            <a:ext cx="7213405" cy="5932920"/>
+          </a:xfrm>
+        </p:spPr>
+      </p:pic>
+    </p:spTree>
+    <p:extLst>
+      <p:ext uri="{BB962C8B-B14F-4D97-AF65-F5344CB8AC3E}">
+        <p14:creationId xmlns:p14="http://schemas.microsoft.com/office/powerpoint/2010/main" val="3129795645"/>
+      </p:ext>
+    </p:extLst>
+  </p:cSld>
+  <p:clrMapOvr>
+    <a:masterClrMapping/>
+  </p:clrMapOvr>
+</p:sld>
+</file>
+
+<file path=ppt/slides/slide16.xml><?xml version="1.0" encoding="utf-8"?>
+<p:sld xmlns:a="http://schemas.openxmlformats.org/drawingml/2006/main" xmlns:r="http://schemas.openxmlformats.org/officeDocument/2006/relationships" xmlns:p="http://schemas.openxmlformats.org/presentationml/2006/main">
+  <p:cSld>
+    <p:spTree>
+      <p:nvGrpSpPr>
+        <p:cNvPr id="1" name=""/>
+        <p:cNvGrpSpPr/>
+        <p:nvPr/>
+      </p:nvGrpSpPr>
+      <p:grpSpPr>
+        <a:xfrm>
+          <a:off x="0" y="0"/>
+          <a:ext cx="0" cy="0"/>
+          <a:chOff x="0" y="0"/>
+          <a:chExt cx="0" cy="0"/>
+        </a:xfrm>
+      </p:grpSpPr>
+      <p:sp>
+        <p:nvSpPr>
+          <p:cNvPr id="2" name="Title 1">
+            <a:extLst>
+              <a:ext uri="{FF2B5EF4-FFF2-40B4-BE49-F238E27FC236}">
+                <a16:creationId xmlns:a16="http://schemas.microsoft.com/office/drawing/2014/main" id="{72745813-AB61-E85A-CD73-E470130D5C63}"/>
+              </a:ext>
+            </a:extLst>
+          </p:cNvPr>
+          <p:cNvSpPr>
+            <a:spLocks noGrp="1"/>
+          </p:cNvSpPr>
+          <p:nvPr>
+            <p:ph type="title"/>
+          </p:nvPr>
+        </p:nvSpPr>
+        <p:spPr/>
+        <p:txBody>
+          <a:bodyPr/>
+          <a:lstStyle/>
+          <a:p>
+            <a:r>
+              <a:rPr lang="en-GB" dirty="0"/>
+              <a:t>CLI account add </a:t>
+            </a:r>
+          </a:p>
+        </p:txBody>
+      </p:sp>
+      <p:sp>
+        <p:nvSpPr>
+          <p:cNvPr id="3" name="Content Placeholder 2">
+            <a:extLst>
+              <a:ext uri="{FF2B5EF4-FFF2-40B4-BE49-F238E27FC236}">
+                <a16:creationId xmlns:a16="http://schemas.microsoft.com/office/drawing/2014/main" id="{0365CDA9-34A3-49D8-F1F5-2CD8D9B761B7}"/>
+              </a:ext>
+            </a:extLst>
+          </p:cNvPr>
+          <p:cNvSpPr>
+            <a:spLocks noGrp="1"/>
+          </p:cNvSpPr>
+          <p:nvPr>
+            <p:ph idx="1"/>
+          </p:nvPr>
+        </p:nvSpPr>
+        <p:spPr/>
+        <p:txBody>
+          <a:bodyPr/>
+          <a:lstStyle/>
+          <a:p>
+            <a:endParaRPr lang="en-GB"/>
+          </a:p>
+        </p:txBody>
+      </p:sp>
+      <p:pic>
+        <p:nvPicPr>
+          <p:cNvPr id="9" name="Picture 8">
+            <a:extLst>
+              <a:ext uri="{FF2B5EF4-FFF2-40B4-BE49-F238E27FC236}">
+                <a16:creationId xmlns:a16="http://schemas.microsoft.com/office/drawing/2014/main" id="{8864B4A1-6074-9D66-EA16-DDE4D9D1FE32}"/>
+              </a:ext>
+            </a:extLst>
+          </p:cNvPr>
+          <p:cNvPicPr>
+            <a:picLocks noChangeAspect="1"/>
+          </p:cNvPicPr>
+          <p:nvPr/>
+        </p:nvPicPr>
+        <p:blipFill>
+          <a:blip r:embed="rId2"/>
+          <a:stretch>
+            <a:fillRect/>
+          </a:stretch>
+        </p:blipFill>
+        <p:spPr>
+          <a:xfrm>
+            <a:off x="838200" y="1629499"/>
+            <a:ext cx="5560331" cy="4743590"/>
+          </a:xfrm>
+          <a:prstGeom prst="rect">
+            <a:avLst/>
+          </a:prstGeom>
+        </p:spPr>
+      </p:pic>
+    </p:spTree>
+    <p:extLst>
+      <p:ext uri="{BB962C8B-B14F-4D97-AF65-F5344CB8AC3E}">
+        <p14:creationId xmlns:p14="http://schemas.microsoft.com/office/powerpoint/2010/main" val="2930328886"/>
+      </p:ext>
+    </p:extLst>
+  </p:cSld>
+  <p:clrMapOvr>
+    <a:masterClrMapping/>
+  </p:clrMapOvr>
+</p:sld>
+</file>
+
+<file path=ppt/slides/slide17.xml><?xml version="1.0" encoding="utf-8"?>
+<p:sld xmlns:a="http://schemas.openxmlformats.org/drawingml/2006/main" xmlns:r="http://schemas.openxmlformats.org/officeDocument/2006/relationships" xmlns:p="http://schemas.openxmlformats.org/presentationml/2006/main">
+  <p:cSld>
+    <p:spTree>
+      <p:nvGrpSpPr>
+        <p:cNvPr id="1" name=""/>
+        <p:cNvGrpSpPr/>
+        <p:nvPr/>
+      </p:nvGrpSpPr>
+      <p:grpSpPr>
+        <a:xfrm>
+          <a:off x="0" y="0"/>
+          <a:ext cx="0" cy="0"/>
+          <a:chOff x="0" y="0"/>
+          <a:chExt cx="0" cy="0"/>
+        </a:xfrm>
+      </p:grpSpPr>
+      <p:sp>
+        <p:nvSpPr>
+          <p:cNvPr id="2" name="Title 1">
+            <a:extLst>
+              <a:ext uri="{FF2B5EF4-FFF2-40B4-BE49-F238E27FC236}">
+                <a16:creationId xmlns:a16="http://schemas.microsoft.com/office/drawing/2014/main" id="{CC984B37-0C84-3519-F300-C7019BCA51EF}"/>
+              </a:ext>
+            </a:extLst>
+          </p:cNvPr>
+          <p:cNvSpPr>
+            <a:spLocks noGrp="1"/>
+          </p:cNvSpPr>
+          <p:nvPr>
+            <p:ph type="title"/>
+          </p:nvPr>
+        </p:nvSpPr>
+        <p:spPr/>
+        <p:txBody>
+          <a:bodyPr/>
+          <a:lstStyle/>
+          <a:p>
+            <a:r>
+              <a:rPr lang="en-GB" dirty="0"/>
+              <a:t>Privilege</a:t>
+            </a:r>
+          </a:p>
+        </p:txBody>
+      </p:sp>
+      <p:pic>
+        <p:nvPicPr>
+          <p:cNvPr id="7" name="Content Placeholder 6">
+            <a:extLst>
+              <a:ext uri="{FF2B5EF4-FFF2-40B4-BE49-F238E27FC236}">
+                <a16:creationId xmlns:a16="http://schemas.microsoft.com/office/drawing/2014/main" id="{8DB1B725-5265-985C-53E0-A33C73134C78}"/>
+              </a:ext>
+            </a:extLst>
+          </p:cNvPr>
+          <p:cNvPicPr>
+            <a:picLocks noGrp="1" noChangeAspect="1"/>
+          </p:cNvPicPr>
+          <p:nvPr>
+            <p:ph idx="1"/>
+          </p:nvPr>
+        </p:nvPicPr>
+        <p:blipFill>
+          <a:blip r:embed="rId2"/>
+          <a:stretch>
+            <a:fillRect/>
+          </a:stretch>
+        </p:blipFill>
+        <p:spPr>
+          <a:xfrm>
+            <a:off x="996656" y="1503891"/>
+            <a:ext cx="5227663" cy="4473575"/>
+          </a:xfrm>
+        </p:spPr>
+      </p:pic>
+    </p:spTree>
+    <p:extLst>
+      <p:ext uri="{BB962C8B-B14F-4D97-AF65-F5344CB8AC3E}">
+        <p14:creationId xmlns:p14="http://schemas.microsoft.com/office/powerpoint/2010/main" val="386441776"/>
       </p:ext>
     </p:extLst>
   </p:cSld>

--- a/401_OperatingSystems/assignments/WINDOWS 11.pptx
+++ b/401_OperatingSystems/assignments/WINDOWS 11.pptx
@@ -275,7 +275,7 @@
           <a:p>
             <a:fld id="{0373278B-BA76-4770-B160-1A1DCC83836D}" type="datetimeFigureOut">
               <a:rPr lang="en-GB" smtClean="0"/>
-              <a:t>21/07/2025</a:t>
+              <a:t>22/07/2025</a:t>
             </a:fld>
             <a:endParaRPr lang="en-GB"/>
           </a:p>
@@ -473,7 +473,7 @@
           <a:p>
             <a:fld id="{0373278B-BA76-4770-B160-1A1DCC83836D}" type="datetimeFigureOut">
               <a:rPr lang="en-GB" smtClean="0"/>
-              <a:t>21/07/2025</a:t>
+              <a:t>22/07/2025</a:t>
             </a:fld>
             <a:endParaRPr lang="en-GB"/>
           </a:p>
@@ -681,7 +681,7 @@
           <a:p>
             <a:fld id="{0373278B-BA76-4770-B160-1A1DCC83836D}" type="datetimeFigureOut">
               <a:rPr lang="en-GB" smtClean="0"/>
-              <a:t>21/07/2025</a:t>
+              <a:t>22/07/2025</a:t>
             </a:fld>
             <a:endParaRPr lang="en-GB"/>
           </a:p>
@@ -879,7 +879,7 @@
           <a:p>
             <a:fld id="{0373278B-BA76-4770-B160-1A1DCC83836D}" type="datetimeFigureOut">
               <a:rPr lang="en-GB" smtClean="0"/>
-              <a:t>21/07/2025</a:t>
+              <a:t>22/07/2025</a:t>
             </a:fld>
             <a:endParaRPr lang="en-GB"/>
           </a:p>
@@ -1154,7 +1154,7 @@
           <a:p>
             <a:fld id="{0373278B-BA76-4770-B160-1A1DCC83836D}" type="datetimeFigureOut">
               <a:rPr lang="en-GB" smtClean="0"/>
-              <a:t>21/07/2025</a:t>
+              <a:t>22/07/2025</a:t>
             </a:fld>
             <a:endParaRPr lang="en-GB"/>
           </a:p>
@@ -1419,7 +1419,7 @@
           <a:p>
             <a:fld id="{0373278B-BA76-4770-B160-1A1DCC83836D}" type="datetimeFigureOut">
               <a:rPr lang="en-GB" smtClean="0"/>
-              <a:t>21/07/2025</a:t>
+              <a:t>22/07/2025</a:t>
             </a:fld>
             <a:endParaRPr lang="en-GB"/>
           </a:p>
@@ -1831,7 +1831,7 @@
           <a:p>
             <a:fld id="{0373278B-BA76-4770-B160-1A1DCC83836D}" type="datetimeFigureOut">
               <a:rPr lang="en-GB" smtClean="0"/>
-              <a:t>21/07/2025</a:t>
+              <a:t>22/07/2025</a:t>
             </a:fld>
             <a:endParaRPr lang="en-GB"/>
           </a:p>
@@ -1972,7 +1972,7 @@
           <a:p>
             <a:fld id="{0373278B-BA76-4770-B160-1A1DCC83836D}" type="datetimeFigureOut">
               <a:rPr lang="en-GB" smtClean="0"/>
-              <a:t>21/07/2025</a:t>
+              <a:t>22/07/2025</a:t>
             </a:fld>
             <a:endParaRPr lang="en-GB"/>
           </a:p>
@@ -2085,7 +2085,7 @@
           <a:p>
             <a:fld id="{0373278B-BA76-4770-B160-1A1DCC83836D}" type="datetimeFigureOut">
               <a:rPr lang="en-GB" smtClean="0"/>
-              <a:t>21/07/2025</a:t>
+              <a:t>22/07/2025</a:t>
             </a:fld>
             <a:endParaRPr lang="en-GB"/>
           </a:p>
@@ -2396,7 +2396,7 @@
           <a:p>
             <a:fld id="{0373278B-BA76-4770-B160-1A1DCC83836D}" type="datetimeFigureOut">
               <a:rPr lang="en-GB" smtClean="0"/>
-              <a:t>21/07/2025</a:t>
+              <a:t>22/07/2025</a:t>
             </a:fld>
             <a:endParaRPr lang="en-GB"/>
           </a:p>
@@ -2684,7 +2684,7 @@
           <a:p>
             <a:fld id="{0373278B-BA76-4770-B160-1A1DCC83836D}" type="datetimeFigureOut">
               <a:rPr lang="en-GB" smtClean="0"/>
-              <a:t>21/07/2025</a:t>
+              <a:t>22/07/2025</a:t>
             </a:fld>
             <a:endParaRPr lang="en-GB"/>
           </a:p>
@@ -2925,7 +2925,7 @@
           <a:p>
             <a:fld id="{0373278B-BA76-4770-B160-1A1DCC83836D}" type="datetimeFigureOut">
               <a:rPr lang="en-GB" smtClean="0"/>
-              <a:t>21/07/2025</a:t>
+              <a:t>22/07/2025</a:t>
             </a:fld>
             <a:endParaRPr lang="en-GB"/>
           </a:p>
@@ -3907,7 +3907,7 @@
         </p:blipFill>
         <p:spPr>
           <a:xfrm>
-            <a:off x="357727" y="450849"/>
+            <a:off x="154619" y="514265"/>
             <a:ext cx="6929764" cy="5682816"/>
           </a:xfrm>
           <a:prstGeom prst="rect">

--- a/401_OperatingSystems/assignments/WINDOWS 11.pptx
+++ b/401_OperatingSystems/assignments/WINDOWS 11.pptx
@@ -22,6 +22,8 @@
     <p:sldId id="270" r:id="rId16"/>
     <p:sldId id="272" r:id="rId17"/>
     <p:sldId id="273" r:id="rId18"/>
+    <p:sldId id="274" r:id="rId19"/>
+    <p:sldId id="275" r:id="rId20"/>
   </p:sldIdLst>
   <p:sldSz cx="12192000" cy="6858000"/>
   <p:notesSz cx="6858000" cy="9144000"/>
@@ -275,7 +277,7 @@
           <a:p>
             <a:fld id="{0373278B-BA76-4770-B160-1A1DCC83836D}" type="datetimeFigureOut">
               <a:rPr lang="en-GB" smtClean="0"/>
-              <a:t>22/07/2025</a:t>
+              <a:t>24/07/2025</a:t>
             </a:fld>
             <a:endParaRPr lang="en-GB"/>
           </a:p>
@@ -473,7 +475,7 @@
           <a:p>
             <a:fld id="{0373278B-BA76-4770-B160-1A1DCC83836D}" type="datetimeFigureOut">
               <a:rPr lang="en-GB" smtClean="0"/>
-              <a:t>22/07/2025</a:t>
+              <a:t>24/07/2025</a:t>
             </a:fld>
             <a:endParaRPr lang="en-GB"/>
           </a:p>
@@ -681,7 +683,7 @@
           <a:p>
             <a:fld id="{0373278B-BA76-4770-B160-1A1DCC83836D}" type="datetimeFigureOut">
               <a:rPr lang="en-GB" smtClean="0"/>
-              <a:t>22/07/2025</a:t>
+              <a:t>24/07/2025</a:t>
             </a:fld>
             <a:endParaRPr lang="en-GB"/>
           </a:p>
@@ -879,7 +881,7 @@
           <a:p>
             <a:fld id="{0373278B-BA76-4770-B160-1A1DCC83836D}" type="datetimeFigureOut">
               <a:rPr lang="en-GB" smtClean="0"/>
-              <a:t>22/07/2025</a:t>
+              <a:t>24/07/2025</a:t>
             </a:fld>
             <a:endParaRPr lang="en-GB"/>
           </a:p>
@@ -1154,7 +1156,7 @@
           <a:p>
             <a:fld id="{0373278B-BA76-4770-B160-1A1DCC83836D}" type="datetimeFigureOut">
               <a:rPr lang="en-GB" smtClean="0"/>
-              <a:t>22/07/2025</a:t>
+              <a:t>24/07/2025</a:t>
             </a:fld>
             <a:endParaRPr lang="en-GB"/>
           </a:p>
@@ -1419,7 +1421,7 @@
           <a:p>
             <a:fld id="{0373278B-BA76-4770-B160-1A1DCC83836D}" type="datetimeFigureOut">
               <a:rPr lang="en-GB" smtClean="0"/>
-              <a:t>22/07/2025</a:t>
+              <a:t>24/07/2025</a:t>
             </a:fld>
             <a:endParaRPr lang="en-GB"/>
           </a:p>
@@ -1831,7 +1833,7 @@
           <a:p>
             <a:fld id="{0373278B-BA76-4770-B160-1A1DCC83836D}" type="datetimeFigureOut">
               <a:rPr lang="en-GB" smtClean="0"/>
-              <a:t>22/07/2025</a:t>
+              <a:t>24/07/2025</a:t>
             </a:fld>
             <a:endParaRPr lang="en-GB"/>
           </a:p>
@@ -1972,7 +1974,7 @@
           <a:p>
             <a:fld id="{0373278B-BA76-4770-B160-1A1DCC83836D}" type="datetimeFigureOut">
               <a:rPr lang="en-GB" smtClean="0"/>
-              <a:t>22/07/2025</a:t>
+              <a:t>24/07/2025</a:t>
             </a:fld>
             <a:endParaRPr lang="en-GB"/>
           </a:p>
@@ -2085,7 +2087,7 @@
           <a:p>
             <a:fld id="{0373278B-BA76-4770-B160-1A1DCC83836D}" type="datetimeFigureOut">
               <a:rPr lang="en-GB" smtClean="0"/>
-              <a:t>22/07/2025</a:t>
+              <a:t>24/07/2025</a:t>
             </a:fld>
             <a:endParaRPr lang="en-GB"/>
           </a:p>
@@ -2396,7 +2398,7 @@
           <a:p>
             <a:fld id="{0373278B-BA76-4770-B160-1A1DCC83836D}" type="datetimeFigureOut">
               <a:rPr lang="en-GB" smtClean="0"/>
-              <a:t>22/07/2025</a:t>
+              <a:t>24/07/2025</a:t>
             </a:fld>
             <a:endParaRPr lang="en-GB"/>
           </a:p>
@@ -2684,7 +2686,7 @@
           <a:p>
             <a:fld id="{0373278B-BA76-4770-B160-1A1DCC83836D}" type="datetimeFigureOut">
               <a:rPr lang="en-GB" smtClean="0"/>
-              <a:t>22/07/2025</a:t>
+              <a:t>24/07/2025</a:t>
             </a:fld>
             <a:endParaRPr lang="en-GB"/>
           </a:p>
@@ -2925,7 +2927,7 @@
           <a:p>
             <a:fld id="{0373278B-BA76-4770-B160-1A1DCC83836D}" type="datetimeFigureOut">
               <a:rPr lang="en-GB" smtClean="0"/>
-              <a:t>22/07/2025</a:t>
+              <a:t>24/07/2025</a:t>
             </a:fld>
             <a:endParaRPr lang="en-GB"/>
           </a:p>
@@ -4313,6 +4315,241 @@
     <p:extLst>
       <p:ext uri="{BB962C8B-B14F-4D97-AF65-F5344CB8AC3E}">
         <p14:creationId xmlns:p14="http://schemas.microsoft.com/office/powerpoint/2010/main" val="386441776"/>
+      </p:ext>
+    </p:extLst>
+  </p:cSld>
+  <p:clrMapOvr>
+    <a:masterClrMapping/>
+  </p:clrMapOvr>
+</p:sld>
+</file>
+
+<file path=ppt/slides/slide18.xml><?xml version="1.0" encoding="utf-8"?>
+<p:sld xmlns:a="http://schemas.openxmlformats.org/drawingml/2006/main" xmlns:r="http://schemas.openxmlformats.org/officeDocument/2006/relationships" xmlns:p="http://schemas.openxmlformats.org/presentationml/2006/main">
+  <p:cSld>
+    <p:spTree>
+      <p:nvGrpSpPr>
+        <p:cNvPr id="1" name=""/>
+        <p:cNvGrpSpPr/>
+        <p:nvPr/>
+      </p:nvGrpSpPr>
+      <p:grpSpPr>
+        <a:xfrm>
+          <a:off x="0" y="0"/>
+          <a:ext cx="0" cy="0"/>
+          <a:chOff x="0" y="0"/>
+          <a:chExt cx="0" cy="0"/>
+        </a:xfrm>
+      </p:grpSpPr>
+      <p:sp>
+        <p:nvSpPr>
+          <p:cNvPr id="3" name="Content Placeholder 2">
+            <a:extLst>
+              <a:ext uri="{FF2B5EF4-FFF2-40B4-BE49-F238E27FC236}">
+                <a16:creationId xmlns:a16="http://schemas.microsoft.com/office/drawing/2014/main" id="{02382381-6871-C757-D7E4-E863B066CE00}"/>
+              </a:ext>
+            </a:extLst>
+          </p:cNvPr>
+          <p:cNvSpPr>
+            <a:spLocks noGrp="1"/>
+          </p:cNvSpPr>
+          <p:nvPr>
+            <p:ph idx="1"/>
+          </p:nvPr>
+        </p:nvSpPr>
+        <p:spPr>
+          <a:xfrm>
+            <a:off x="7348052" y="134144"/>
+            <a:ext cx="4843948" cy="6589712"/>
+          </a:xfrm>
+        </p:spPr>
+        <p:txBody>
+          <a:bodyPr/>
+          <a:lstStyle/>
+          <a:p>
+            <a:r>
+              <a:rPr lang="en-GB" dirty="0"/>
+              <a:t>3 sections</a:t>
+            </a:r>
+          </a:p>
+          <a:p>
+            <a:r>
+              <a:rPr lang="en-GB" dirty="0"/>
+              <a:t>Section 1 shows the CPU information with a loop for each detail of the CPU</a:t>
+            </a:r>
+          </a:p>
+          <a:p>
+            <a:endParaRPr lang="en-GB" dirty="0"/>
+          </a:p>
+          <a:p>
+            <a:r>
+              <a:rPr lang="en-GB" dirty="0"/>
+              <a:t>Section 2 Gets the current CPU usage</a:t>
+            </a:r>
+          </a:p>
+          <a:p>
+            <a:endParaRPr lang="en-GB" dirty="0"/>
+          </a:p>
+          <a:p>
+            <a:r>
+              <a:rPr lang="en-GB" dirty="0"/>
+              <a:t>Section 3 Gets the current  Memory Usage , for easy of understanding, calculates physical memory and ram that is free and in use </a:t>
+            </a:r>
+          </a:p>
+          <a:p>
+            <a:r>
+              <a:rPr lang="en-GB" dirty="0"/>
+              <a:t>all being rounded to 2 D.P</a:t>
+            </a:r>
+          </a:p>
+        </p:txBody>
+      </p:sp>
+      <p:pic>
+        <p:nvPicPr>
+          <p:cNvPr id="7" name="Picture 6">
+            <a:extLst>
+              <a:ext uri="{FF2B5EF4-FFF2-40B4-BE49-F238E27FC236}">
+                <a16:creationId xmlns:a16="http://schemas.microsoft.com/office/drawing/2014/main" id="{97444B70-BA21-CD0A-5D0E-D4FE88D0845F}"/>
+              </a:ext>
+            </a:extLst>
+          </p:cNvPr>
+          <p:cNvPicPr>
+            <a:picLocks noChangeAspect="1"/>
+          </p:cNvPicPr>
+          <p:nvPr/>
+        </p:nvPicPr>
+        <p:blipFill>
+          <a:blip r:embed="rId2"/>
+          <a:stretch>
+            <a:fillRect/>
+          </a:stretch>
+        </p:blipFill>
+        <p:spPr>
+          <a:xfrm>
+            <a:off x="169332" y="389466"/>
+            <a:ext cx="7060187" cy="5808134"/>
+          </a:xfrm>
+          <a:prstGeom prst="rect">
+            <a:avLst/>
+          </a:prstGeom>
+        </p:spPr>
+      </p:pic>
+    </p:spTree>
+    <p:extLst>
+      <p:ext uri="{BB962C8B-B14F-4D97-AF65-F5344CB8AC3E}">
+        <p14:creationId xmlns:p14="http://schemas.microsoft.com/office/powerpoint/2010/main" val="1544606052"/>
+      </p:ext>
+    </p:extLst>
+  </p:cSld>
+  <p:clrMapOvr>
+    <a:masterClrMapping/>
+  </p:clrMapOvr>
+</p:sld>
+</file>
+
+<file path=ppt/slides/slide19.xml><?xml version="1.0" encoding="utf-8"?>
+<p:sld xmlns:a="http://schemas.openxmlformats.org/drawingml/2006/main" xmlns:r="http://schemas.openxmlformats.org/officeDocument/2006/relationships" xmlns:p="http://schemas.openxmlformats.org/presentationml/2006/main">
+  <p:cSld>
+    <p:spTree>
+      <p:nvGrpSpPr>
+        <p:cNvPr id="1" name=""/>
+        <p:cNvGrpSpPr/>
+        <p:nvPr/>
+      </p:nvGrpSpPr>
+      <p:grpSpPr>
+        <a:xfrm>
+          <a:off x="0" y="0"/>
+          <a:ext cx="0" cy="0"/>
+          <a:chOff x="0" y="0"/>
+          <a:chExt cx="0" cy="0"/>
+        </a:xfrm>
+      </p:grpSpPr>
+      <p:sp>
+        <p:nvSpPr>
+          <p:cNvPr id="2" name="Title 1">
+            <a:extLst>
+              <a:ext uri="{FF2B5EF4-FFF2-40B4-BE49-F238E27FC236}">
+                <a16:creationId xmlns:a16="http://schemas.microsoft.com/office/drawing/2014/main" id="{8983634D-F8EE-F0F0-81DF-00B13216EB95}"/>
+              </a:ext>
+            </a:extLst>
+          </p:cNvPr>
+          <p:cNvSpPr>
+            <a:spLocks noGrp="1"/>
+          </p:cNvSpPr>
+          <p:nvPr>
+            <p:ph type="title"/>
+          </p:nvPr>
+        </p:nvSpPr>
+        <p:spPr/>
+        <p:txBody>
+          <a:bodyPr>
+            <a:normAutofit/>
+          </a:bodyPr>
+          <a:lstStyle/>
+          <a:p>
+            <a:endParaRPr lang="en-GB" dirty="0"/>
+          </a:p>
+        </p:txBody>
+      </p:sp>
+      <p:sp>
+        <p:nvSpPr>
+          <p:cNvPr id="3" name="Content Placeholder 2">
+            <a:extLst>
+              <a:ext uri="{FF2B5EF4-FFF2-40B4-BE49-F238E27FC236}">
+                <a16:creationId xmlns:a16="http://schemas.microsoft.com/office/drawing/2014/main" id="{1DB57BB2-F4F8-42D8-4026-C30E94D4534F}"/>
+              </a:ext>
+            </a:extLst>
+          </p:cNvPr>
+          <p:cNvSpPr>
+            <a:spLocks noGrp="1"/>
+          </p:cNvSpPr>
+          <p:nvPr>
+            <p:ph idx="1"/>
+          </p:nvPr>
+        </p:nvSpPr>
+        <p:spPr/>
+        <p:txBody>
+          <a:bodyPr/>
+          <a:lstStyle/>
+          <a:p>
+            <a:endParaRPr lang="en-GB"/>
+          </a:p>
+        </p:txBody>
+      </p:sp>
+      <p:pic>
+        <p:nvPicPr>
+          <p:cNvPr id="7" name="Picture 6">
+            <a:extLst>
+              <a:ext uri="{FF2B5EF4-FFF2-40B4-BE49-F238E27FC236}">
+                <a16:creationId xmlns:a16="http://schemas.microsoft.com/office/drawing/2014/main" id="{884F8476-668F-A9A8-0977-DFA5C0CD7D1F}"/>
+              </a:ext>
+            </a:extLst>
+          </p:cNvPr>
+          <p:cNvPicPr>
+            <a:picLocks noChangeAspect="1"/>
+          </p:cNvPicPr>
+          <p:nvPr/>
+        </p:nvPicPr>
+        <p:blipFill>
+          <a:blip r:embed="rId2"/>
+          <a:stretch>
+            <a:fillRect/>
+          </a:stretch>
+        </p:blipFill>
+        <p:spPr>
+          <a:xfrm>
+            <a:off x="970438" y="365125"/>
+            <a:ext cx="6951844" cy="5706533"/>
+          </a:xfrm>
+          <a:prstGeom prst="rect">
+            <a:avLst/>
+          </a:prstGeom>
+        </p:spPr>
+      </p:pic>
+    </p:spTree>
+    <p:extLst>
+      <p:ext uri="{BB962C8B-B14F-4D97-AF65-F5344CB8AC3E}">
+        <p14:creationId xmlns:p14="http://schemas.microsoft.com/office/powerpoint/2010/main" val="3212440366"/>
       </p:ext>
     </p:extLst>
   </p:cSld>
